--- a/trunk/[SG2]/Informe FINAL/Presentacion-Abraham-Botta-FratteV2.0.pptx
+++ b/trunk/[SG2]/Informe FINAL/Presentacion-Abraham-Botta-FratteV2.0.pptx
@@ -268,7 +268,7 @@
             <a:fld id="{ADD96E15-31A1-4860-A290-FF5275B71E2F}" type="datetimeFigureOut">
               <a:rPr lang="es-AR" smtClean="0"/>
               <a:pPr/>
-              <a:t>02/09/2011</a:t>
+              <a:t>03/09/2011</a:t>
             </a:fld>
             <a:endParaRPr lang="es-AR"/>
           </a:p>
@@ -583,7 +583,7 @@
             <a:fld id="{ADD96E15-31A1-4860-A290-FF5275B71E2F}" type="datetimeFigureOut">
               <a:rPr lang="es-AR" smtClean="0"/>
               <a:pPr/>
-              <a:t>02/09/2011</a:t>
+              <a:t>03/09/2011</a:t>
             </a:fld>
             <a:endParaRPr lang="es-AR"/>
           </a:p>
@@ -770,7 +770,7 @@
             <a:fld id="{ADD96E15-31A1-4860-A290-FF5275B71E2F}" type="datetimeFigureOut">
               <a:rPr lang="es-AR" smtClean="0"/>
               <a:pPr/>
-              <a:t>02/09/2011</a:t>
+              <a:t>03/09/2011</a:t>
             </a:fld>
             <a:endParaRPr lang="es-AR"/>
           </a:p>
@@ -947,7 +947,7 @@
             <a:fld id="{ADD96E15-31A1-4860-A290-FF5275B71E2F}" type="datetimeFigureOut">
               <a:rPr lang="es-AR" smtClean="0"/>
               <a:pPr/>
-              <a:t>02/09/2011</a:t>
+              <a:t>03/09/2011</a:t>
             </a:fld>
             <a:endParaRPr lang="es-AR"/>
           </a:p>
@@ -1217,7 +1217,7 @@
             <a:fld id="{ADD96E15-31A1-4860-A290-FF5275B71E2F}" type="datetimeFigureOut">
               <a:rPr lang="es-AR" smtClean="0"/>
               <a:pPr/>
-              <a:t>02/09/2011</a:t>
+              <a:t>03/09/2011</a:t>
             </a:fld>
             <a:endParaRPr lang="es-AR"/>
           </a:p>
@@ -1687,7 +1687,7 @@
             <a:fld id="{ADD96E15-31A1-4860-A290-FF5275B71E2F}" type="datetimeFigureOut">
               <a:rPr lang="es-AR" smtClean="0"/>
               <a:pPr/>
-              <a:t>02/09/2011</a:t>
+              <a:t>03/09/2011</a:t>
             </a:fld>
             <a:endParaRPr lang="es-AR"/>
           </a:p>
@@ -2178,7 +2178,7 @@
             <a:fld id="{ADD96E15-31A1-4860-A290-FF5275B71E2F}" type="datetimeFigureOut">
               <a:rPr lang="es-AR" smtClean="0"/>
               <a:pPr/>
-              <a:t>02/09/2011</a:t>
+              <a:t>03/09/2011</a:t>
             </a:fld>
             <a:endParaRPr lang="es-AR"/>
           </a:p>
@@ -2306,7 +2306,7 @@
             <a:fld id="{ADD96E15-31A1-4860-A290-FF5275B71E2F}" type="datetimeFigureOut">
               <a:rPr lang="es-AR" smtClean="0"/>
               <a:pPr/>
-              <a:t>02/09/2011</a:t>
+              <a:t>03/09/2011</a:t>
             </a:fld>
             <a:endParaRPr lang="es-AR"/>
           </a:p>
@@ -2452,7 +2452,7 @@
             <a:fld id="{ADD96E15-31A1-4860-A290-FF5275B71E2F}" type="datetimeFigureOut">
               <a:rPr lang="es-AR" smtClean="0"/>
               <a:pPr/>
-              <a:t>02/09/2011</a:t>
+              <a:t>03/09/2011</a:t>
             </a:fld>
             <a:endParaRPr lang="es-AR"/>
           </a:p>
@@ -2776,7 +2776,7 @@
             <a:fld id="{ADD96E15-31A1-4860-A290-FF5275B71E2F}" type="datetimeFigureOut">
               <a:rPr lang="es-AR" smtClean="0"/>
               <a:pPr/>
-              <a:t>02/09/2011</a:t>
+              <a:t>03/09/2011</a:t>
             </a:fld>
             <a:endParaRPr lang="es-AR"/>
           </a:p>
@@ -2912,7 +2912,7 @@
             <a:fld id="{ADD96E15-31A1-4860-A290-FF5275B71E2F}" type="datetimeFigureOut">
               <a:rPr lang="es-AR" smtClean="0"/>
               <a:pPr/>
-              <a:t>02/09/2011</a:t>
+              <a:t>03/09/2011</a:t>
             </a:fld>
             <a:endParaRPr lang="es-AR"/>
           </a:p>
@@ -3695,7 +3695,7 @@
             <a:fld id="{ADD96E15-31A1-4860-A290-FF5275B71E2F}" type="datetimeFigureOut">
               <a:rPr lang="es-AR" smtClean="0"/>
               <a:pPr/>
-              <a:t>02/09/2011</a:t>
+              <a:t>03/09/2011</a:t>
             </a:fld>
             <a:endParaRPr lang="es-AR"/>
           </a:p>
@@ -4449,9 +4449,59 @@
         </p:xfrm>
         <a:graphic>
           <a:graphicData uri="http://schemas.openxmlformats.org/presentationml/2006/ole">
-            <p:oleObj spid="_x0000_s21505" name="UML Diagram" r:id="rId3" imgW="5683348" imgH="5746652" progId="Pacestar.Diagram">
-              <p:embed/>
-            </p:oleObj>
+            <mc:AlternateContent xmlns:mc="http://schemas.openxmlformats.org/markup-compatibility/2006">
+              <mc:Choice xmlns:v="urn:schemas-microsoft-com:vml" Requires="v">
+                <p:oleObj spid="_x0000_s21506" name="UML Diagram" r:id="rId3" imgW="5683348" imgH="5746652" progId="Pacestar.Diagram">
+                  <p:embed/>
+                </p:oleObj>
+              </mc:Choice>
+              <mc:Fallback>
+                <p:oleObj name="UML Diagram" r:id="rId3" imgW="5683348" imgH="5746652" progId="Pacestar.Diagram">
+                  <p:embed/>
+                  <p:pic>
+                    <p:nvPicPr>
+                      <p:cNvPr id="0" name="Picture 1"/>
+                      <p:cNvPicPr>
+                        <a:picLocks noChangeAspect="1" noChangeArrowheads="1"/>
+                      </p:cNvPicPr>
+                      <p:nvPr/>
+                    </p:nvPicPr>
+                    <p:blipFill>
+                      <a:blip r:embed="rId4">
+                        <a:extLst>
+                          <a:ext uri="{28A0092B-C50C-407E-A947-70E740481C1C}">
+                            <a14:useLocalDpi xmlns:a14="http://schemas.microsoft.com/office/drawing/2010/main" val="0"/>
+                          </a:ext>
+                        </a:extLst>
+                      </a:blip>
+                      <a:srcRect/>
+                      <a:stretch>
+                        <a:fillRect/>
+                      </a:stretch>
+                    </p:blipFill>
+                    <p:spPr bwMode="auto">
+                      <a:xfrm>
+                        <a:off x="2483768" y="1268759"/>
+                        <a:ext cx="5400600" cy="5452429"/>
+                      </a:xfrm>
+                      <a:prstGeom prst="rect">
+                        <a:avLst/>
+                      </a:prstGeom>
+                      <a:noFill/>
+                      <a:extLst>
+                        <a:ext uri="{909E8E84-426E-40DD-AFC4-6F175D3DCCD1}">
+                          <a14:hiddenFill xmlns:a14="http://schemas.microsoft.com/office/drawing/2010/main">
+                            <a:solidFill>
+                              <a:srgbClr val="FFFFFF"/>
+                            </a:solidFill>
+                          </a14:hiddenFill>
+                        </a:ext>
+                      </a:extLst>
+                    </p:spPr>
+                  </p:pic>
+                </p:oleObj>
+              </mc:Fallback>
+            </mc:AlternateContent>
           </a:graphicData>
         </a:graphic>
       </p:graphicFrame>
@@ -5180,7 +5230,7 @@
           <a:blip r:embed="rId2" cstate="print">
             <a:extLst>
               <a:ext uri="{28A0092B-C50C-407E-A947-70E740481C1C}">
-                <a14:useLocalDpi xmlns="" xmlns:wpc="http://schemas.microsoft.com/office/word/2010/wordprocessingCanvas" xmlns:mc="http://schemas.openxmlformats.org/markup-compatibility/2006" xmlns:o="urn:schemas-microsoft-com:office:office" xmlns:m="http://schemas.openxmlformats.org/officeDocument/2006/math" xmlns:v="urn:schemas-microsoft-com:vml" xmlns:wp14="http://schemas.microsoft.com/office/word/2010/wordprocessingDrawing" xmlns:wp="http://schemas.openxmlformats.org/drawingml/2006/wordprocessingDrawing" xmlns:w10="urn:schemas-microsoft-com:office:word" xmlns:w="http://schemas.openxmlformats.org/wordprocessingml/2006/main" xmlns:w14="http://schemas.microsoft.com/office/word/2010/wordml" xmlns:wpg="http://schemas.microsoft.com/office/word/2010/wordprocessingGroup" xmlns:wpi="http://schemas.microsoft.com/office/word/2010/wordprocessingInk" xmlns:wne="http://schemas.microsoft.com/office/word/2006/wordml" xmlns:wps="http://schemas.microsoft.com/office/word/2010/wordprocessingShape" xmlns:a14="http://schemas.microsoft.com/office/drawing/2010/main" xmlns:pic="http://schemas.openxmlformats.org/drawingml/2006/picture" xmlns:lc="http://schemas.openxmlformats.org/drawingml/2006/lockedCanvas" val="0"/>
+                <a14:useLocalDpi xmlns:a14="http://schemas.microsoft.com/office/drawing/2010/main" val="0"/>
               </a:ext>
             </a:extLst>
           </a:blip>
@@ -5282,11 +5332,7 @@
           <a:p>
             <a:r>
               <a:rPr lang="es-AR" dirty="0" smtClean="0"/>
-              <a:t>MS </a:t>
-            </a:r>
-            <a:r>
-              <a:rPr lang="es-AR" dirty="0" smtClean="0"/>
-              <a:t>Excel</a:t>
+              <a:t>MS Excel</a:t>
             </a:r>
           </a:p>
           <a:p>
@@ -5315,13 +5361,8 @@
           <a:p>
             <a:r>
               <a:rPr lang="es-AR" dirty="0" smtClean="0"/>
-              <a:t>Capacidad de filtrar y operar ent</a:t>
-            </a:r>
-            <a:r>
-              <a:rPr lang="es-AR" dirty="0" smtClean="0"/>
-              <a:t>re las dimensiones de forma sencilla</a:t>
-            </a:r>
-            <a:endParaRPr lang="es-AR" dirty="0" smtClean="0"/>
+              <a:t>Capacidad de filtrar y operar entre las dimensiones de forma sencilla</a:t>
+            </a:r>
           </a:p>
           <a:p>
             <a:pPr lvl="1"/>
@@ -5414,7 +5455,6 @@
               <a:rPr lang="es-AR" dirty="0" smtClean="0"/>
               <a:t>Ventas por Tienda y área</a:t>
             </a:r>
-            <a:endParaRPr lang="es-AR" dirty="0" smtClean="0"/>
           </a:p>
         </p:txBody>
       </p:sp>
@@ -5521,7 +5561,6 @@
               <a:rPr lang="es-AR" dirty="0" smtClean="0"/>
               <a:t>Ventas por tipo de venta</a:t>
             </a:r>
-            <a:endParaRPr lang="es-AR" dirty="0" smtClean="0"/>
           </a:p>
         </p:txBody>
       </p:sp>
@@ -5702,7 +5741,6 @@
               <a:rPr lang="es-AR" dirty="0" smtClean="0"/>
               <a:t>Evolución en el tiempo</a:t>
             </a:r>
-            <a:endParaRPr lang="es-AR" dirty="0" smtClean="0"/>
           </a:p>
         </p:txBody>
       </p:sp>
@@ -5928,7 +5966,6 @@
               <a:rPr lang="es-AR" dirty="0" smtClean="0"/>
               <a:t>Porcentaje de ventas por compañía madre</a:t>
             </a:r>
-            <a:endParaRPr lang="es-AR" dirty="0" smtClean="0"/>
           </a:p>
         </p:txBody>
       </p:sp>
@@ -6035,7 +6072,6 @@
               <a:rPr lang="es-AR" dirty="0" smtClean="0"/>
               <a:t>Compras por tienda y área</a:t>
             </a:r>
-            <a:endParaRPr lang="es-AR" dirty="0" smtClean="0"/>
           </a:p>
         </p:txBody>
       </p:sp>
@@ -6142,7 +6178,6 @@
               <a:rPr lang="es-AR" dirty="0" smtClean="0"/>
               <a:t>Evolución de compras en el tiempo</a:t>
             </a:r>
-            <a:endParaRPr lang="es-AR" dirty="0" smtClean="0"/>
           </a:p>
         </p:txBody>
       </p:sp>
@@ -6249,7 +6284,6 @@
               <a:rPr lang="es-AR" dirty="0" smtClean="0"/>
               <a:t>Ventas VS Compras en el tiempo</a:t>
             </a:r>
-            <a:endParaRPr lang="es-AR" dirty="0" smtClean="0"/>
           </a:p>
         </p:txBody>
       </p:sp>
@@ -6356,7 +6390,6 @@
               <a:rPr lang="es-AR" dirty="0" smtClean="0"/>
               <a:t>Evaluación temporal de motivación y satisfacción</a:t>
             </a:r>
-            <a:endParaRPr lang="es-AR" dirty="0" smtClean="0"/>
           </a:p>
         </p:txBody>
       </p:sp>
@@ -6463,7 +6496,6 @@
               <a:rPr lang="es-AR" dirty="0" smtClean="0"/>
               <a:t>Motivación y satisfacción por empresa y tienda</a:t>
             </a:r>
-            <a:endParaRPr lang="es-AR" dirty="0" smtClean="0"/>
           </a:p>
         </p:txBody>
       </p:sp>
@@ -6682,7 +6714,7 @@
           <a:blip r:embed="rId2" cstate="print">
             <a:extLst>
               <a:ext uri="{28A0092B-C50C-407E-A947-70E740481C1C}">
-                <a14:useLocalDpi xmlns="" xmlns:wpc="http://schemas.microsoft.com/office/word/2010/wordprocessingCanvas" xmlns:mc="http://schemas.openxmlformats.org/markup-compatibility/2006" xmlns:o="urn:schemas-microsoft-com:office:office" xmlns:m="http://schemas.openxmlformats.org/officeDocument/2006/math" xmlns:v="urn:schemas-microsoft-com:vml" xmlns:wp14="http://schemas.microsoft.com/office/word/2010/wordprocessingDrawing" xmlns:wp="http://schemas.openxmlformats.org/drawingml/2006/wordprocessingDrawing" xmlns:w10="urn:schemas-microsoft-com:office:word" xmlns:w="http://schemas.openxmlformats.org/wordprocessingml/2006/main" xmlns:w14="http://schemas.microsoft.com/office/word/2010/wordml" xmlns:wpg="http://schemas.microsoft.com/office/word/2010/wordprocessingGroup" xmlns:wpi="http://schemas.microsoft.com/office/word/2010/wordprocessingInk" xmlns:wne="http://schemas.microsoft.com/office/word/2006/wordml" xmlns:wps="http://schemas.microsoft.com/office/word/2010/wordprocessingShape" xmlns:a14="http://schemas.microsoft.com/office/drawing/2010/main" xmlns:pic="http://schemas.openxmlformats.org/drawingml/2006/picture" xmlns:lc="http://schemas.openxmlformats.org/drawingml/2006/lockedCanvas" val="0"/>
+                <a14:useLocalDpi xmlns:a14="http://schemas.microsoft.com/office/drawing/2010/main" val="0"/>
               </a:ext>
             </a:extLst>
           </a:blip>
@@ -7001,7 +7033,7 @@
           <a:blip r:embed="rId2" cstate="print">
             <a:extLst>
               <a:ext uri="{28A0092B-C50C-407E-A947-70E740481C1C}">
-                <a14:useLocalDpi xmlns="" xmlns:wpc="http://schemas.microsoft.com/office/word/2010/wordprocessingCanvas" xmlns:mc="http://schemas.openxmlformats.org/markup-compatibility/2006" xmlns:o="urn:schemas-microsoft-com:office:office" xmlns:m="http://schemas.openxmlformats.org/officeDocument/2006/math" xmlns:v="urn:schemas-microsoft-com:vml" xmlns:wp14="http://schemas.microsoft.com/office/word/2010/wordprocessingDrawing" xmlns:wp="http://schemas.openxmlformats.org/drawingml/2006/wordprocessingDrawing" xmlns:w10="urn:schemas-microsoft-com:office:word" xmlns:w="http://schemas.openxmlformats.org/wordprocessingml/2006/main" xmlns:w14="http://schemas.microsoft.com/office/word/2010/wordml" xmlns:wpg="http://schemas.microsoft.com/office/word/2010/wordprocessingGroup" xmlns:wpi="http://schemas.microsoft.com/office/word/2010/wordprocessingInk" xmlns:wne="http://schemas.microsoft.com/office/word/2006/wordml" xmlns:wps="http://schemas.microsoft.com/office/word/2010/wordprocessingShape" xmlns:a14="http://schemas.microsoft.com/office/drawing/2010/main" xmlns:pic="http://schemas.openxmlformats.org/drawingml/2006/picture" xmlns:lc="http://schemas.openxmlformats.org/drawingml/2006/lockedCanvas" val="0"/>
+                <a14:useLocalDpi xmlns:a14="http://schemas.microsoft.com/office/drawing/2010/main" val="0"/>
               </a:ext>
             </a:extLst>
           </a:blip>
@@ -7112,7 +7144,7 @@
           <a:blip r:embed="rId2" cstate="print">
             <a:extLst>
               <a:ext uri="{28A0092B-C50C-407E-A947-70E740481C1C}">
-                <a14:useLocalDpi xmlns="" xmlns:wpc="http://schemas.microsoft.com/office/word/2010/wordprocessingCanvas" xmlns:mc="http://schemas.openxmlformats.org/markup-compatibility/2006" xmlns:o="urn:schemas-microsoft-com:office:office" xmlns:m="http://schemas.openxmlformats.org/officeDocument/2006/math" xmlns:v="urn:schemas-microsoft-com:vml" xmlns:wp14="http://schemas.microsoft.com/office/word/2010/wordprocessingDrawing" xmlns:wp="http://schemas.openxmlformats.org/drawingml/2006/wordprocessingDrawing" xmlns:w10="urn:schemas-microsoft-com:office:word" xmlns:w="http://schemas.openxmlformats.org/wordprocessingml/2006/main" xmlns:w14="http://schemas.microsoft.com/office/word/2010/wordml" xmlns:wpg="http://schemas.microsoft.com/office/word/2010/wordprocessingGroup" xmlns:wpi="http://schemas.microsoft.com/office/word/2010/wordprocessingInk" xmlns:wne="http://schemas.microsoft.com/office/word/2006/wordml" xmlns:wps="http://schemas.microsoft.com/office/word/2010/wordprocessingShape" xmlns:a14="http://schemas.microsoft.com/office/drawing/2010/main" xmlns:pic="http://schemas.openxmlformats.org/drawingml/2006/picture" xmlns:lc="http://schemas.openxmlformats.org/drawingml/2006/lockedCanvas" val="0"/>
+                <a14:useLocalDpi xmlns:a14="http://schemas.microsoft.com/office/drawing/2010/main" val="0"/>
               </a:ext>
             </a:extLst>
           </a:blip>
